--- a/platform_simple2.pptx
+++ b/platform_simple2.pptx
@@ -3822,7 +3822,19 @@
               <a:rPr lang="" altLang="en-US" dirty="0">
                 <a:cs typeface="Calibri"/>
               </a:rPr>
-              <a:t>Data Set</a:t>
+              <a:t>Data</a:t>
+            </a:r>
+            <a:r>
+              <a:rPr lang="x-none" altLang="" dirty="0">
+                <a:cs typeface="Calibri"/>
+              </a:rPr>
+              <a:t>s</a:t>
+            </a:r>
+            <a:r>
+              <a:rPr lang="" altLang="en-US" dirty="0">
+                <a:cs typeface="Calibri"/>
+              </a:rPr>
+              <a:t>et</a:t>
             </a:r>
             <a:endParaRPr lang="" altLang="en-US" dirty="0">
               <a:cs typeface="Calibri"/>
